--- a/examples/doc_mini_ebank.pptx
+++ b/examples/doc_mini_ebank.pptx
@@ -5,18 +5,19 @@
     <p:sldMasterId id="2147484709" r:id="rId1"/>
   </p:sldMasterIdLst>
   <p:notesMasterIdLst>
-    <p:notesMasterId r:id="rId8"/>
+    <p:notesMasterId r:id="rId9"/>
   </p:notesMasterIdLst>
   <p:handoutMasterIdLst>
-    <p:handoutMasterId r:id="rId9"/>
+    <p:handoutMasterId r:id="rId10"/>
   </p:handoutMasterIdLst>
   <p:sldIdLst>
     <p:sldId id="2142532237" r:id="rId2"/>
     <p:sldId id="2142532330" r:id="rId3"/>
     <p:sldId id="2142532374" r:id="rId4"/>
-    <p:sldId id="2142532375" r:id="rId5"/>
-    <p:sldId id="2142532376" r:id="rId6"/>
-    <p:sldId id="2142532372" r:id="rId7"/>
+    <p:sldId id="2142532377" r:id="rId5"/>
+    <p:sldId id="2142532375" r:id="rId6"/>
+    <p:sldId id="2142532376" r:id="rId7"/>
+    <p:sldId id="2142532372" r:id="rId8"/>
   </p:sldIdLst>
   <p:sldSz cx="12188825" cy="6858000"/>
   <p:notesSz cx="7010400" cy="9236075"/>
@@ -333,7 +334,7 @@
                 <a:latin typeface="+mj-lt"/>
               </a:rPr>
               <a:pPr/>
-              <a:t>10/1/22</a:t>
+              <a:t>10/3/22</a:t>
             </a:fld>
             <a:endParaRPr lang="en-US">
               <a:latin typeface="+mj-lt"/>
@@ -2598,7 +2599,7 @@
             <a:fld id="{546148A2-A49E-4B44-80FB-1D231F249F30}" type="datetimeFigureOut">
               <a:rPr lang="en-US" smtClean="0"/>
               <a:pPr/>
-              <a:t>10/1/22</a:t>
+              <a:t>10/3/22</a:t>
             </a:fld>
             <a:endParaRPr lang="en-US"/>
           </a:p>
@@ -26314,7 +26315,7 @@
         </p:nvSpPr>
         <p:spPr>
           <a:xfrm>
-            <a:off x="5213438" y="5753294"/>
+            <a:off x="5213438" y="5174561"/>
             <a:ext cx="1761948" cy="376368"/>
           </a:xfrm>
           <a:prstGeom prst="roundRect">
@@ -26614,12 +26615,12 @@
         </p:nvCxnSpPr>
         <p:spPr>
           <a:xfrm rot="5400000">
-            <a:off x="5328507" y="3956293"/>
-            <a:ext cx="2562906" cy="1031096"/>
+            <a:off x="5617874" y="3666926"/>
+            <a:ext cx="1984173" cy="1031096"/>
           </a:xfrm>
           <a:prstGeom prst="bentConnector3">
             <a:avLst>
-              <a:gd name="adj1" fmla="val 36323"/>
+              <a:gd name="adj1" fmla="val 50000"/>
             </a:avLst>
           </a:prstGeom>
           <a:ln w="12700">
@@ -26658,7 +26659,7 @@
         </p:nvSpPr>
         <p:spPr>
           <a:xfrm>
-            <a:off x="195073" y="4330918"/>
+            <a:off x="425180" y="5753294"/>
             <a:ext cx="1761948" cy="376368"/>
           </a:xfrm>
           <a:prstGeom prst="roundRect">
@@ -26708,18 +26709,19 @@
           <p:cNvCxnSpPr>
             <a:cxnSpLocks/>
             <a:stCxn id="27" idx="2"/>
-            <a:endCxn id="55" idx="0"/>
+            <a:endCxn id="55" idx="1"/>
           </p:cNvCxnSpPr>
           <p:nvPr/>
         </p:nvCxnSpPr>
         <p:spPr>
           <a:xfrm rot="5400000">
-            <a:off x="510960" y="3755475"/>
-            <a:ext cx="1140530" cy="10356"/>
-          </a:xfrm>
-          <a:prstGeom prst="bentConnector3">
+            <a:off x="-619753" y="4235322"/>
+            <a:ext cx="2751090" cy="661223"/>
+          </a:xfrm>
+          <a:prstGeom prst="bentConnector4">
             <a:avLst>
-              <a:gd name="adj1" fmla="val 50000"/>
+              <a:gd name="adj1" fmla="val 46580"/>
+              <a:gd name="adj2" fmla="val 134572"/>
             </a:avLst>
           </a:prstGeom>
           <a:ln w="12700">
@@ -26914,12 +26916,12 @@
         </p:nvCxnSpPr>
         <p:spPr>
           <a:xfrm rot="16200000" flipH="1">
-            <a:off x="4321989" y="3980871"/>
-            <a:ext cx="2562906" cy="981939"/>
+            <a:off x="4611356" y="3691504"/>
+            <a:ext cx="1984173" cy="981939"/>
           </a:xfrm>
           <a:prstGeom prst="bentConnector3">
             <a:avLst>
-              <a:gd name="adj1" fmla="val 36323"/>
+              <a:gd name="adj1" fmla="val 50000"/>
             </a:avLst>
           </a:prstGeom>
           <a:ln w="12700">
@@ -27006,7 +27008,7 @@
         </p:nvSpPr>
         <p:spPr>
           <a:xfrm>
-            <a:off x="3304927" y="5049732"/>
+            <a:off x="3304927" y="4482572"/>
             <a:ext cx="1761948" cy="376368"/>
           </a:xfrm>
           <a:prstGeom prst="roundRect">
@@ -27062,12 +27064,12 @@
         </p:nvCxnSpPr>
         <p:spPr>
           <a:xfrm rot="16200000" flipH="1">
-            <a:off x="2712997" y="3576828"/>
-            <a:ext cx="1859344" cy="1086463"/>
+            <a:off x="2996577" y="3293248"/>
+            <a:ext cx="1292184" cy="1086463"/>
           </a:xfrm>
           <a:prstGeom prst="bentConnector3">
             <a:avLst>
-              <a:gd name="adj1" fmla="val 77048"/>
+              <a:gd name="adj1" fmla="val 84934"/>
             </a:avLst>
           </a:prstGeom>
           <a:ln w="12700">
@@ -27110,8 +27112,8 @@
         </p:nvCxnSpPr>
         <p:spPr>
           <a:xfrm rot="16200000" flipH="1">
-            <a:off x="4976559" y="4635441"/>
-            <a:ext cx="327194" cy="1908511"/>
+            <a:off x="4982346" y="4062494"/>
+            <a:ext cx="315621" cy="1908511"/>
           </a:xfrm>
           <a:prstGeom prst="bentConnector3">
             <a:avLst>
@@ -27658,7 +27660,7 @@
         </p:nvSpPr>
         <p:spPr>
           <a:xfrm>
-            <a:off x="1306154" y="5049730"/>
+            <a:off x="1306154" y="4482570"/>
             <a:ext cx="1761948" cy="376368"/>
           </a:xfrm>
           <a:prstGeom prst="roundRect">
@@ -27714,12 +27716,12 @@
         </p:nvCxnSpPr>
         <p:spPr>
           <a:xfrm rot="5400000">
-            <a:off x="1713612" y="3663904"/>
-            <a:ext cx="1859342" cy="912310"/>
+            <a:off x="1997192" y="3380324"/>
+            <a:ext cx="1292182" cy="912310"/>
           </a:xfrm>
           <a:prstGeom prst="bentConnector3">
             <a:avLst>
-              <a:gd name="adj1" fmla="val 77048"/>
+              <a:gd name="adj1" fmla="val 84934"/>
             </a:avLst>
           </a:prstGeom>
           <a:ln w="12700">
@@ -28054,6 +28056,107 @@
           <a:prstGeom prst="bentConnector3">
             <a:avLst>
               <a:gd name="adj1" fmla="val 50000"/>
+            </a:avLst>
+          </a:prstGeom>
+          <a:ln w="12700">
+            <a:solidFill>
+              <a:schemeClr val="bg1"/>
+            </a:solidFill>
+            <a:tailEnd type="triangle"/>
+          </a:ln>
+        </p:spPr>
+        <p:style>
+          <a:lnRef idx="1">
+            <a:schemeClr val="accent1"/>
+          </a:lnRef>
+          <a:fillRef idx="0">
+            <a:schemeClr val="accent1"/>
+          </a:fillRef>
+          <a:effectRef idx="0">
+            <a:schemeClr val="accent1"/>
+          </a:effectRef>
+          <a:fontRef idx="minor">
+            <a:schemeClr val="tx1"/>
+          </a:fontRef>
+        </p:style>
+      </p:cxnSp>
+      <p:sp>
+        <p:nvSpPr>
+          <p:cNvPr id="2" name="Rounded Rectangle 1">
+            <a:extLst>
+              <a:ext uri="{FF2B5EF4-FFF2-40B4-BE49-F238E27FC236}">
+                <a16:creationId xmlns:a16="http://schemas.microsoft.com/office/drawing/2014/main" id="{0C95B9AF-63DC-2ADE-ABE2-F31DDB62981A}"/>
+              </a:ext>
+            </a:extLst>
+          </p:cNvPr>
+          <p:cNvSpPr/>
+          <p:nvPr/>
+        </p:nvSpPr>
+        <p:spPr>
+          <a:xfrm>
+            <a:off x="425180" y="5188742"/>
+            <a:ext cx="1761948" cy="376368"/>
+          </a:xfrm>
+          <a:prstGeom prst="roundRect">
+            <a:avLst/>
+          </a:prstGeom>
+          <a:ln/>
+        </p:spPr>
+        <p:style>
+          <a:lnRef idx="3">
+            <a:schemeClr val="lt1"/>
+          </a:lnRef>
+          <a:fillRef idx="1">
+            <a:schemeClr val="dk1"/>
+          </a:fillRef>
+          <a:effectRef idx="1">
+            <a:schemeClr val="dk1"/>
+          </a:effectRef>
+          <a:fontRef idx="minor">
+            <a:schemeClr val="lt1"/>
+          </a:fontRef>
+        </p:style>
+        <p:txBody>
+          <a:bodyPr rtlCol="0" anchor="ctr"/>
+          <a:lstStyle/>
+          <a:p>
+            <a:pPr algn="ctr"/>
+            <a:r>
+              <a:rPr lang="en-FR" sz="1200" dirty="0">
+                <a:solidFill>
+                  <a:schemeClr val="bg1"/>
+                </a:solidFill>
+              </a:rPr>
+              <a:t>pingIdentity</a:t>
+            </a:r>
+          </a:p>
+        </p:txBody>
+      </p:sp>
+      <p:cxnSp>
+        <p:nvCxnSpPr>
+          <p:cNvPr id="3" name="Elbow Connector 2">
+            <a:extLst>
+              <a:ext uri="{FF2B5EF4-FFF2-40B4-BE49-F238E27FC236}">
+                <a16:creationId xmlns:a16="http://schemas.microsoft.com/office/drawing/2014/main" id="{703EA3E9-1DD3-FBA6-0543-B23DE59987CC}"/>
+              </a:ext>
+            </a:extLst>
+          </p:cNvPr>
+          <p:cNvCxnSpPr>
+            <a:cxnSpLocks/>
+            <a:stCxn id="27" idx="2"/>
+            <a:endCxn id="2" idx="1"/>
+          </p:cNvCxnSpPr>
+          <p:nvPr/>
+        </p:nvCxnSpPr>
+        <p:spPr>
+          <a:xfrm rot="5400000">
+            <a:off x="-337477" y="3953046"/>
+            <a:ext cx="2186538" cy="661223"/>
+          </a:xfrm>
+          <a:prstGeom prst="bentConnector4">
+            <a:avLst>
+              <a:gd name="adj1" fmla="val 58931"/>
+              <a:gd name="adj2" fmla="val 134572"/>
             </a:avLst>
           </a:prstGeom>
           <a:ln w="12700">
@@ -28496,6 +28599,106 @@
 </file>
 
 <file path=ppt/slides/slide4.xml><?xml version="1.0" encoding="utf-8"?>
+<p:sld xmlns:a="http://schemas.openxmlformats.org/drawingml/2006/main" xmlns:r="http://schemas.openxmlformats.org/officeDocument/2006/relationships" xmlns:p="http://schemas.openxmlformats.org/presentationml/2006/main">
+  <p:cSld>
+    <p:spTree>
+      <p:nvGrpSpPr>
+        <p:cNvPr id="1" name=""/>
+        <p:cNvGrpSpPr/>
+        <p:nvPr/>
+      </p:nvGrpSpPr>
+      <p:grpSpPr>
+        <a:xfrm>
+          <a:off x="0" y="0"/>
+          <a:ext cx="0" cy="0"/>
+          <a:chOff x="0" y="0"/>
+          <a:chExt cx="0" cy="0"/>
+        </a:xfrm>
+      </p:grpSpPr>
+      <p:sp>
+        <p:nvSpPr>
+          <p:cNvPr id="2" name="Title 1">
+            <a:extLst>
+              <a:ext uri="{FF2B5EF4-FFF2-40B4-BE49-F238E27FC236}">
+                <a16:creationId xmlns:a16="http://schemas.microsoft.com/office/drawing/2014/main" id="{1FF724C5-576E-38E5-7C63-3D624972F2C6}"/>
+              </a:ext>
+            </a:extLst>
+          </p:cNvPr>
+          <p:cNvSpPr>
+            <a:spLocks noGrp="1"/>
+          </p:cNvSpPr>
+          <p:nvPr>
+            <p:ph type="title"/>
+          </p:nvPr>
+        </p:nvSpPr>
+        <p:spPr/>
+        <p:txBody>
+          <a:bodyPr/>
+          <a:lstStyle/>
+          <a:p>
+            <a:r>
+              <a:rPr lang="en-FR" dirty="0"/>
+              <a:t>Inferred Service Settings</a:t>
+            </a:r>
+          </a:p>
+        </p:txBody>
+      </p:sp>
+      <p:pic>
+        <p:nvPicPr>
+          <p:cNvPr id="5" name="Picture 4">
+            <a:extLst>
+              <a:ext uri="{FF2B5EF4-FFF2-40B4-BE49-F238E27FC236}">
+                <a16:creationId xmlns:a16="http://schemas.microsoft.com/office/drawing/2014/main" id="{2A9038BB-A775-9BAF-FA2B-EE9161ACA91C}"/>
+              </a:ext>
+            </a:extLst>
+          </p:cNvPr>
+          <p:cNvPicPr>
+            <a:picLocks noChangeAspect="1"/>
+          </p:cNvPicPr>
+          <p:nvPr/>
+        </p:nvPicPr>
+        <p:blipFill>
+          <a:blip r:embed="rId2"/>
+          <a:stretch>
+            <a:fillRect/>
+          </a:stretch>
+        </p:blipFill>
+        <p:spPr>
+          <a:xfrm>
+            <a:off x="448056" y="1377013"/>
+            <a:ext cx="11560048" cy="4392058"/>
+          </a:xfrm>
+          <a:prstGeom prst="rect">
+            <a:avLst/>
+          </a:prstGeom>
+        </p:spPr>
+      </p:pic>
+    </p:spTree>
+    <p:extLst>
+      <p:ext uri="{BB962C8B-B14F-4D97-AF65-F5344CB8AC3E}">
+        <p14:creationId xmlns:p14="http://schemas.microsoft.com/office/powerpoint/2010/main" val="4272059796"/>
+      </p:ext>
+    </p:extLst>
+  </p:cSld>
+  <p:clrMapOvr>
+    <a:masterClrMapping/>
+  </p:clrMapOvr>
+  <mc:AlternateContent xmlns:mc="http://schemas.openxmlformats.org/markup-compatibility/2006" xmlns:p14="http://schemas.microsoft.com/office/powerpoint/2010/main">
+    <mc:Choice Requires="p14">
+      <p:transition spd="med" p14:dur="600">
+        <p:fade/>
+      </p:transition>
+    </mc:Choice>
+    <mc:Fallback xmlns="">
+      <p:transition spd="med">
+        <p:fade/>
+      </p:transition>
+    </mc:Fallback>
+  </mc:AlternateContent>
+</p:sld>
+</file>
+
+<file path=ppt/slides/slide5.xml><?xml version="1.0" encoding="utf-8"?>
 <p:sld xmlns:a="http://schemas.openxmlformats.org/drawingml/2006/main" xmlns:r="http://schemas.openxmlformats.org/officeDocument/2006/relationships" xmlns:p="http://schemas.openxmlformats.org/presentationml/2006/main">
   <p:cSld>
     <p:spTree>
@@ -29737,13 +29940,13 @@
   <p:clrMapOvr>
     <a:masterClrMapping/>
   </p:clrMapOvr>
-  <mc:AlternateContent xmlns:mc="http://schemas.openxmlformats.org/markup-compatibility/2006">
-    <mc:Choice xmlns:p14="http://schemas.microsoft.com/office/powerpoint/2010/main" Requires="p14">
+  <mc:AlternateContent xmlns:mc="http://schemas.openxmlformats.org/markup-compatibility/2006" xmlns:p14="http://schemas.microsoft.com/office/powerpoint/2010/main">
+    <mc:Choice Requires="p14">
       <p:transition spd="med" p14:dur="600">
         <p:fade/>
       </p:transition>
     </mc:Choice>
-    <mc:Fallback>
+    <mc:Fallback xmlns="">
       <p:transition spd="med">
         <p:fade/>
       </p:transition>
@@ -29752,7 +29955,7 @@
 </p:sld>
 </file>
 
-<file path=ppt/slides/slide5.xml><?xml version="1.0" encoding="utf-8"?>
+<file path=ppt/slides/slide6.xml><?xml version="1.0" encoding="utf-8"?>
 <p:sld xmlns:a="http://schemas.openxmlformats.org/drawingml/2006/main" xmlns:r="http://schemas.openxmlformats.org/officeDocument/2006/relationships" xmlns:p="http://schemas.openxmlformats.org/presentationml/2006/main">
   <p:cSld>
     <p:spTree>
@@ -30989,13 +31192,13 @@
   <p:clrMapOvr>
     <a:masterClrMapping/>
   </p:clrMapOvr>
-  <mc:AlternateContent xmlns:mc="http://schemas.openxmlformats.org/markup-compatibility/2006">
-    <mc:Choice xmlns:p14="http://schemas.microsoft.com/office/powerpoint/2010/main" Requires="p14">
+  <mc:AlternateContent xmlns:mc="http://schemas.openxmlformats.org/markup-compatibility/2006" xmlns:p14="http://schemas.microsoft.com/office/powerpoint/2010/main">
+    <mc:Choice Requires="p14">
       <p:transition spd="med" p14:dur="600">
         <p:fade/>
       </p:transition>
     </mc:Choice>
-    <mc:Fallback>
+    <mc:Fallback xmlns="">
       <p:transition spd="med">
         <p:fade/>
       </p:transition>
@@ -31004,7 +31207,7 @@
 </p:sld>
 </file>
 
-<file path=ppt/slides/slide6.xml><?xml version="1.0" encoding="utf-8"?>
+<file path=ppt/slides/slide7.xml><?xml version="1.0" encoding="utf-8"?>
 <p:sld xmlns:a="http://schemas.openxmlformats.org/drawingml/2006/main" xmlns:r="http://schemas.openxmlformats.org/officeDocument/2006/relationships" xmlns:p="http://schemas.openxmlformats.org/presentationml/2006/main">
   <p:cSld>
     <p:spTree>

--- a/examples/doc_mini_ebank.pptx
+++ b/examples/doc_mini_ebank.pptx
@@ -26798,58 +26798,6 @@
           </a:p>
         </p:txBody>
       </p:sp>
-      <p:sp>
-        <p:nvSpPr>
-          <p:cNvPr id="60" name="Rounded Rectangle 59">
-            <a:extLst>
-              <a:ext uri="{FF2B5EF4-FFF2-40B4-BE49-F238E27FC236}">
-                <a16:creationId xmlns:a16="http://schemas.microsoft.com/office/drawing/2014/main" id="{9515B54C-8B34-6A03-2F02-14A7DED908EA}"/>
-              </a:ext>
-            </a:extLst>
-          </p:cNvPr>
-          <p:cNvSpPr/>
-          <p:nvPr/>
-        </p:nvSpPr>
-        <p:spPr>
-          <a:xfrm>
-            <a:off x="2218464" y="2814020"/>
-            <a:ext cx="1761948" cy="376368"/>
-          </a:xfrm>
-          <a:prstGeom prst="roundRect">
-            <a:avLst/>
-          </a:prstGeom>
-          <a:ln/>
-        </p:spPr>
-        <p:style>
-          <a:lnRef idx="3">
-            <a:schemeClr val="lt1"/>
-          </a:lnRef>
-          <a:fillRef idx="1">
-            <a:schemeClr val="dk1"/>
-          </a:fillRef>
-          <a:effectRef idx="1">
-            <a:schemeClr val="dk1"/>
-          </a:effectRef>
-          <a:fontRef idx="minor">
-            <a:schemeClr val="lt1"/>
-          </a:fontRef>
-        </p:style>
-        <p:txBody>
-          <a:bodyPr rtlCol="0" anchor="ctr"/>
-          <a:lstStyle/>
-          <a:p>
-            <a:pPr algn="ctr"/>
-            <a:r>
-              <a:rPr lang="en-FR" sz="1200" dirty="0">
-                <a:solidFill>
-                  <a:schemeClr val="bg1"/>
-                </a:solidFill>
-              </a:rPr>
-              <a:t>transfer</a:t>
-            </a:r>
-          </a:p>
-        </p:txBody>
-      </p:sp>
       <p:cxnSp>
         <p:nvCxnSpPr>
           <p:cNvPr id="63" name="Elbow Connector 62">
@@ -26958,18 +26906,18 @@
           <p:cNvCxnSpPr>
             <a:cxnSpLocks/>
             <a:stCxn id="26" idx="2"/>
-            <a:endCxn id="60" idx="0"/>
+            <a:endCxn id="75" idx="0"/>
           </p:cNvCxnSpPr>
           <p:nvPr/>
         </p:nvCxnSpPr>
         <p:spPr>
           <a:xfrm rot="5400000">
-            <a:off x="4193311" y="976007"/>
-            <a:ext cx="744140" cy="2931886"/>
+            <a:off x="3988513" y="1899793"/>
+            <a:ext cx="1872725" cy="2212899"/>
           </a:xfrm>
           <a:prstGeom prst="bentConnector3">
             <a:avLst>
-              <a:gd name="adj1" fmla="val 50000"/>
+              <a:gd name="adj1" fmla="val 19715"/>
             </a:avLst>
           </a:prstGeom>
           <a:ln w="12700">
@@ -27008,7 +26956,7 @@
         </p:nvSpPr>
         <p:spPr>
           <a:xfrm>
-            <a:off x="3304927" y="4482572"/>
+            <a:off x="2937451" y="3942605"/>
             <a:ext cx="1761948" cy="376368"/>
           </a:xfrm>
           <a:prstGeom prst="roundRect">
@@ -27057,20 +27005,18 @@
           </p:cNvPr>
           <p:cNvCxnSpPr>
             <a:cxnSpLocks/>
-            <a:stCxn id="60" idx="2"/>
-            <a:endCxn id="75" idx="0"/>
+            <a:stCxn id="127" idx="1"/>
+            <a:endCxn id="86" idx="0"/>
           </p:cNvCxnSpPr>
           <p:nvPr/>
         </p:nvCxnSpPr>
         <p:spPr>
-          <a:xfrm rot="16200000" flipH="1">
-            <a:off x="2996577" y="3293248"/>
-            <a:ext cx="1292184" cy="1086463"/>
-          </a:xfrm>
-          <a:prstGeom prst="bentConnector3">
-            <a:avLst>
-              <a:gd name="adj1" fmla="val 84934"/>
-            </a:avLst>
+          <a:xfrm rot="10800000" flipV="1">
+            <a:off x="2092922" y="3503681"/>
+            <a:ext cx="253567" cy="947371"/>
+          </a:xfrm>
+          <a:prstGeom prst="bentConnector2">
+            <a:avLst/>
           </a:prstGeom>
           <a:ln w="12700">
             <a:solidFill>
@@ -27112,8 +27058,8 @@
         </p:nvCxnSpPr>
         <p:spPr>
           <a:xfrm rot="16200000" flipH="1">
-            <a:off x="4982346" y="4062494"/>
-            <a:ext cx="315621" cy="1908511"/>
+            <a:off x="4528624" y="3608773"/>
+            <a:ext cx="855588" cy="2275987"/>
           </a:xfrm>
           <a:prstGeom prst="bentConnector3">
             <a:avLst>
@@ -27364,7 +27310,7 @@
         </p:nvSpPr>
         <p:spPr>
           <a:xfrm>
-            <a:off x="1181178" y="3705766"/>
+            <a:off x="1211947" y="4451053"/>
             <a:ext cx="1761948" cy="376368"/>
           </a:xfrm>
           <a:prstGeom prst="roundRect">
@@ -27472,12 +27418,12 @@
         </p:nvCxnSpPr>
         <p:spPr>
           <a:xfrm rot="5400000">
-            <a:off x="3228795" y="903237"/>
-            <a:ext cx="1635886" cy="3969172"/>
+            <a:off x="2871537" y="1291265"/>
+            <a:ext cx="2381173" cy="3938403"/>
           </a:xfrm>
           <a:prstGeom prst="bentConnector3">
             <a:avLst>
-              <a:gd name="adj1" fmla="val 22983"/>
+              <a:gd name="adj1" fmla="val 15487"/>
             </a:avLst>
           </a:prstGeom>
           <a:ln w="12700">
@@ -27660,7 +27606,7 @@
         </p:nvSpPr>
         <p:spPr>
           <a:xfrm>
-            <a:off x="1306154" y="4482570"/>
+            <a:off x="2346488" y="3315498"/>
             <a:ext cx="1761948" cy="376368"/>
           </a:xfrm>
           <a:prstGeom prst="roundRect">
@@ -27709,19 +27655,19 @@
           </p:cNvPr>
           <p:cNvCxnSpPr>
             <a:cxnSpLocks/>
-            <a:stCxn id="60" idx="2"/>
+            <a:stCxn id="26" idx="2"/>
             <a:endCxn id="127" idx="0"/>
           </p:cNvCxnSpPr>
           <p:nvPr/>
         </p:nvCxnSpPr>
         <p:spPr>
           <a:xfrm rot="5400000">
-            <a:off x="1997192" y="3380324"/>
-            <a:ext cx="1292182" cy="912310"/>
+            <a:off x="4006584" y="1290758"/>
+            <a:ext cx="1245618" cy="2803862"/>
           </a:xfrm>
           <a:prstGeom prst="bentConnector3">
             <a:avLst>
-              <a:gd name="adj1" fmla="val 84934"/>
+              <a:gd name="adj1" fmla="val 29557"/>
             </a:avLst>
           </a:prstGeom>
           <a:ln w="12700">
@@ -27757,15 +27703,15 @@
           </p:cNvPr>
           <p:cNvCxnSpPr>
             <a:cxnSpLocks/>
-            <a:stCxn id="60" idx="1"/>
+            <a:stCxn id="75" idx="1"/>
             <a:endCxn id="86" idx="0"/>
           </p:cNvCxnSpPr>
           <p:nvPr/>
         </p:nvCxnSpPr>
         <p:spPr>
           <a:xfrm rot="10800000" flipV="1">
-            <a:off x="2062152" y="3002204"/>
-            <a:ext cx="156312" cy="703562"/>
+            <a:off x="2092921" y="4130789"/>
+            <a:ext cx="844530" cy="320264"/>
           </a:xfrm>
           <a:prstGeom prst="bentConnector2">
             <a:avLst/>
